--- a/powerpoints/Roc_Day7.pptx
+++ b/powerpoints/Roc_Day7.pptx
@@ -30573,15 +30573,23 @@
           <a:p>
             <a:pPr lvl="1"/>
             <a:r>
+              <a:rPr lang="en-US" b="1" dirty="0"/>
+              <a:t>GRANT</a:t>
+            </a:r>
+            <a:r>
               <a:rPr lang="en-US" dirty="0"/>
-              <a:t>GRANT – Give permissions to user/role</a:t>
+              <a:t> – Give permissions to user/role</a:t>
             </a:r>
           </a:p>
           <a:p>
             <a:pPr lvl="1"/>
             <a:r>
+              <a:rPr lang="en-US" b="1" dirty="0"/>
+              <a:t>REVOKE</a:t>
+            </a:r>
+            <a:r>
               <a:rPr lang="en-US" dirty="0"/>
-              <a:t>REVOKE – Remove permissions from user/role</a:t>
+              <a:t> – Remove permissions from user/role</a:t>
             </a:r>
           </a:p>
         </p:txBody>
@@ -31238,7 +31246,7 @@
           <a:p>
             <a:r>
               <a:rPr lang="en-US" dirty="0"/>
-              <a:t>Check</a:t>
+              <a:t>CHECK</a:t>
             </a:r>
           </a:p>
         </p:txBody>
@@ -31693,7 +31701,7 @@
                 <a:latin typeface="Courier New" panose="02070309020205020404" pitchFamily="49" charset="0"/>
                 <a:cs typeface="Courier New" panose="02070309020205020404" pitchFamily="49" charset="0"/>
               </a:rPr>
-              <a:t>	grade FLOAT </a:t>
+              <a:t>	grade DECIMAL </a:t>
             </a:r>
             <a:r>
               <a:rPr lang="en-US" sz="1800" b="1" dirty="0">
@@ -36827,7 +36835,7 @@
           <p:nvPr>
             <p:extLst>
               <p:ext uri="{D42A27DB-BD31-4B8C-83A1-F6EECF244321}">
-                <p14:modId xmlns:p14="http://schemas.microsoft.com/office/powerpoint/2010/main" val="1294905303"/>
+                <p14:modId xmlns:p14="http://schemas.microsoft.com/office/powerpoint/2010/main" val="2194101278"/>
               </p:ext>
             </p:extLst>
           </p:nvPr>
@@ -40577,8 +40585,8 @@
         </p:nvSpPr>
         <p:spPr>
           <a:xfrm>
-            <a:off x="380010" y="1364974"/>
-            <a:ext cx="8383980" cy="4998738"/>
+            <a:off x="380010" y="1364973"/>
+            <a:ext cx="8383980" cy="5363863"/>
           </a:xfrm>
         </p:spPr>
         <p:txBody>
@@ -40673,7 +40681,7 @@
             </a:r>
             <a:r>
               <a:rPr lang="en-US" dirty="0"/>
-              <a:t> [] with time zone – 64-bit value. Displays both data and time with the time zone.</a:t>
+              <a:t> with time zone – 64-bit value. Displays both data and time with the time zone.</a:t>
             </a:r>
           </a:p>
           <a:p>
@@ -40705,10 +40713,21 @@
             </a:r>
           </a:p>
           <a:p>
-            <a:pPr marL="50800" indent="0">
-              <a:buNone/>
-            </a:pPr>
-            <a:endParaRPr lang="en-US" dirty="0"/>
+            <a:r>
+              <a:rPr lang="en-US" dirty="0"/>
+              <a:t>Large Files</a:t>
+            </a:r>
+          </a:p>
+          <a:p>
+            <a:pPr lvl="1"/>
+            <a:r>
+              <a:rPr lang="en-US" b="1" dirty="0"/>
+              <a:t>Blob</a:t>
+            </a:r>
+            <a:r>
+              <a:rPr lang="en-US" dirty="0"/>
+              <a:t> – Stream of data (byte)</a:t>
+            </a:r>
           </a:p>
           <a:p>
             <a:pPr marL="50800" indent="0">

--- a/powerpoints/Roc_Day7.pptx
+++ b/powerpoints/Roc_Day7.pptx
@@ -44623,7 +44623,7 @@
             <a:pPr lvl="1"/>
             <a:r>
               <a:rPr lang="en-US" dirty="0"/>
-              <a:t>COMMIT, ROLLBACK, SAVEPOINT, RELEASE SET TRANSACTION.</a:t>
+              <a:t>COMMIT, ROLLBACK, SAVEPOINT, RELEASE, SET TRANSACTION.</a:t>
             </a:r>
           </a:p>
           <a:p>
